--- a/courses/oopjava/practice2.pptx
+++ b/courses/oopjava/practice2.pptx
@@ -5,10 +5,10 @@
     <p:sldMasterId id="2147483816" r:id="rId1"/>
   </p:sldMasterIdLst>
   <p:notesMasterIdLst>
-    <p:notesMasterId r:id="rId14"/>
+    <p:notesMasterId r:id="rId12"/>
   </p:notesMasterIdLst>
   <p:handoutMasterIdLst>
-    <p:handoutMasterId r:id="rId15"/>
+    <p:handoutMasterId r:id="rId13"/>
   </p:handoutMasterIdLst>
   <p:sldIdLst>
     <p:sldId id="256" r:id="rId2"/>
@@ -17,12 +17,10 @@
     <p:sldId id="297" r:id="rId5"/>
     <p:sldId id="304" r:id="rId6"/>
     <p:sldId id="298" r:id="rId7"/>
-    <p:sldId id="299" r:id="rId8"/>
-    <p:sldId id="300" r:id="rId9"/>
-    <p:sldId id="302" r:id="rId10"/>
-    <p:sldId id="301" r:id="rId11"/>
-    <p:sldId id="303" r:id="rId12"/>
-    <p:sldId id="305" r:id="rId13"/>
+    <p:sldId id="300" r:id="rId8"/>
+    <p:sldId id="302" r:id="rId9"/>
+    <p:sldId id="306" r:id="rId10"/>
+    <p:sldId id="307" r:id="rId11"/>
   </p:sldIdLst>
   <p:sldSz cx="9144000" cy="6858000" type="screen4x3"/>
   <p:notesSz cx="6858000" cy="9144000"/>
@@ -253,7 +251,7 @@
             <a:fld id="{CB44B6B1-5441-9644-AE1C-BB7EA5DBA264}" type="datetimeFigureOut">
               <a:rPr lang="en-US" smtClean="0"/>
               <a:pPr/>
-              <a:t>9/15/18</a:t>
+              <a:t>9/17/18</a:t>
             </a:fld>
             <a:endParaRPr lang="en-US"/>
           </a:p>
@@ -421,7 +419,7 @@
             <a:fld id="{41878819-472C-A14B-95BF-39C94BA106B2}" type="datetimeFigureOut">
               <a:rPr lang="en-US" smtClean="0"/>
               <a:pPr/>
-              <a:t>9/15/18</a:t>
+              <a:t>9/17/18</a:t>
             </a:fld>
             <a:endParaRPr lang="en-US"/>
           </a:p>
@@ -4712,8 +4710,8 @@
           <a:lstStyle/>
           <a:p>
             <a:r>
-              <a:rPr lang="en-US" dirty="0"/>
-              <a:t>Scope</a:t>
+              <a:rPr lang="en-US" dirty="0" err="1"/>
+              <a:t>Github</a:t>
             </a:r>
             <a:endParaRPr lang="en-GB" dirty="0"/>
           </a:p>
@@ -4732,17 +4730,41 @@
         <p:spPr>
           <a:xfrm>
             <a:off x="457200" y="1417638"/>
-            <a:ext cx="8229600" cy="4708525"/>
+            <a:ext cx="8229600" cy="5113791"/>
           </a:xfrm>
         </p:spPr>
         <p:txBody>
           <a:bodyPr/>
           <a:lstStyle/>
           <a:p>
-            <a:endParaRPr lang="en-US" dirty="0"/>
-          </a:p>
-          <a:p>
-            <a:endParaRPr lang="en-US" dirty="0"/>
+            <a:r>
+              <a:rPr lang="en-US" dirty="0"/>
+              <a:t>Create </a:t>
+            </a:r>
+            <a:r>
+              <a:rPr lang="en-US" dirty="0" err="1"/>
+              <a:t>Github</a:t>
+            </a:r>
+            <a:r>
+              <a:rPr lang="en-US" dirty="0"/>
+              <a:t> account</a:t>
+            </a:r>
+          </a:p>
+          <a:p>
+            <a:r>
+              <a:rPr lang="en-US"/>
+              <a:t>Create a repo</a:t>
+            </a:r>
+          </a:p>
+          <a:p>
+            <a:r>
+              <a:rPr lang="en-US"/>
+              <a:t>upload </a:t>
+            </a:r>
+            <a:r>
+              <a:rPr lang="en-US" dirty="0"/>
+              <a:t>code.</a:t>
+            </a:r>
           </a:p>
           <a:p>
             <a:endParaRPr lang="en-US" dirty="0"/>
@@ -4999,631 +5021,7 @@
     </p:spTree>
     <p:extLst>
       <p:ext uri="{BB962C8B-B14F-4D97-AF65-F5344CB8AC3E}">
-        <p14:creationId xmlns:p14="http://schemas.microsoft.com/office/powerpoint/2010/main" val="3876809827"/>
-      </p:ext>
-    </p:extLst>
-  </p:cSld>
-  <p:clrMapOvr>
-    <a:masterClrMapping/>
-  </p:clrMapOvr>
-  <p:transition spd="med">
-    <p:wipe dir="r"/>
-  </p:transition>
-</p:sld>
-</file>
-
-<file path=ppt/slides/slide11.xml><?xml version="1.0" encoding="utf-8"?>
-<p:sld xmlns:a="http://schemas.openxmlformats.org/drawingml/2006/main" xmlns:r="http://schemas.openxmlformats.org/officeDocument/2006/relationships" xmlns:p="http://schemas.openxmlformats.org/presentationml/2006/main">
-  <p:cSld>
-    <p:spTree>
-      <p:nvGrpSpPr>
-        <p:cNvPr id="1" name=""/>
-        <p:cNvGrpSpPr/>
-        <p:nvPr/>
-      </p:nvGrpSpPr>
-      <p:grpSpPr>
-        <a:xfrm>
-          <a:off x="0" y="0"/>
-          <a:ext cx="0" cy="0"/>
-          <a:chOff x="0" y="0"/>
-          <a:chExt cx="0" cy="0"/>
-        </a:xfrm>
-      </p:grpSpPr>
-      <p:sp>
-        <p:nvSpPr>
-          <p:cNvPr id="2" name="Title 1"/>
-          <p:cNvSpPr>
-            <a:spLocks noGrp="1"/>
-          </p:cNvSpPr>
-          <p:nvPr>
-            <p:ph type="title"/>
-          </p:nvPr>
-        </p:nvSpPr>
-        <p:spPr/>
-        <p:txBody>
-          <a:bodyPr/>
-          <a:lstStyle/>
-          <a:p>
-            <a:r>
-              <a:rPr lang="en-US" dirty="0"/>
-              <a:t>Lib &amp; Jar</a:t>
-            </a:r>
-            <a:endParaRPr lang="en-GB" dirty="0"/>
-          </a:p>
-        </p:txBody>
-      </p:sp>
-      <p:sp>
-        <p:nvSpPr>
-          <p:cNvPr id="3" name="Content Placeholder 2"/>
-          <p:cNvSpPr>
-            <a:spLocks noGrp="1"/>
-          </p:cNvSpPr>
-          <p:nvPr>
-            <p:ph idx="1"/>
-          </p:nvPr>
-        </p:nvSpPr>
-        <p:spPr>
-          <a:xfrm>
-            <a:off x="457200" y="1417638"/>
-            <a:ext cx="8229600" cy="4769406"/>
-          </a:xfrm>
-        </p:spPr>
-        <p:txBody>
-          <a:bodyPr/>
-          <a:lstStyle/>
-          <a:p>
-            <a:endParaRPr lang="en-US" dirty="0"/>
-          </a:p>
-          <a:p>
-            <a:endParaRPr lang="en-US" dirty="0"/>
-          </a:p>
-          <a:p>
-            <a:endParaRPr lang="en-US" dirty="0"/>
-          </a:p>
-          <a:p>
-            <a:endParaRPr lang="en-US" dirty="0"/>
-          </a:p>
-          <a:p>
-            <a:endParaRPr lang="en-US" dirty="0"/>
-          </a:p>
-          <a:p>
-            <a:endParaRPr lang="en-US" dirty="0"/>
-          </a:p>
-          <a:p>
-            <a:endParaRPr lang="en-US" dirty="0"/>
-          </a:p>
-          <a:p>
-            <a:endParaRPr lang="en-US" dirty="0"/>
-          </a:p>
-          <a:p>
-            <a:endParaRPr lang="en-US" dirty="0"/>
-          </a:p>
-          <a:p>
-            <a:endParaRPr lang="en-US" dirty="0"/>
-          </a:p>
-          <a:p>
-            <a:endParaRPr lang="en-US" dirty="0"/>
-          </a:p>
-          <a:p>
-            <a:endParaRPr lang="en-US" dirty="0"/>
-          </a:p>
-          <a:p>
-            <a:endParaRPr lang="en-US" dirty="0"/>
-          </a:p>
-          <a:p>
-            <a:endParaRPr lang="en-US" dirty="0"/>
-          </a:p>
-          <a:p>
-            <a:endParaRPr lang="en-US" dirty="0"/>
-          </a:p>
-          <a:p>
-            <a:endParaRPr lang="en-US" dirty="0"/>
-          </a:p>
-          <a:p>
-            <a:endParaRPr lang="en-US" dirty="0"/>
-          </a:p>
-          <a:p>
-            <a:endParaRPr lang="en-US" dirty="0"/>
-          </a:p>
-          <a:p>
-            <a:endParaRPr lang="en-US" dirty="0"/>
-          </a:p>
-          <a:p>
-            <a:endParaRPr lang="en-US" dirty="0"/>
-          </a:p>
-          <a:p>
-            <a:endParaRPr lang="en-US" dirty="0"/>
-          </a:p>
-          <a:p>
-            <a:endParaRPr lang="en-US" dirty="0"/>
-          </a:p>
-          <a:p>
-            <a:endParaRPr lang="en-US" dirty="0"/>
-          </a:p>
-          <a:p>
-            <a:endParaRPr lang="en-US" dirty="0"/>
-          </a:p>
-          <a:p>
-            <a:endParaRPr lang="en-US" dirty="0"/>
-          </a:p>
-          <a:p>
-            <a:endParaRPr lang="en-US" dirty="0"/>
-          </a:p>
-          <a:p>
-            <a:endParaRPr lang="en-US" dirty="0"/>
-          </a:p>
-          <a:p>
-            <a:endParaRPr lang="en-US" dirty="0"/>
-          </a:p>
-          <a:p>
-            <a:endParaRPr lang="en-US" dirty="0"/>
-          </a:p>
-          <a:p>
-            <a:endParaRPr lang="en-US" dirty="0"/>
-          </a:p>
-          <a:p>
-            <a:endParaRPr lang="en-US" dirty="0"/>
-          </a:p>
-          <a:p>
-            <a:endParaRPr lang="en-US" dirty="0"/>
-          </a:p>
-          <a:p>
-            <a:endParaRPr lang="en-US" dirty="0"/>
-          </a:p>
-          <a:p>
-            <a:endParaRPr lang="en-US" dirty="0"/>
-          </a:p>
-          <a:p>
-            <a:endParaRPr lang="en-US" dirty="0"/>
-          </a:p>
-          <a:p>
-            <a:endParaRPr lang="en-US" dirty="0"/>
-          </a:p>
-          <a:p>
-            <a:endParaRPr lang="en-US" dirty="0"/>
-          </a:p>
-          <a:p>
-            <a:endParaRPr lang="en-US" dirty="0"/>
-          </a:p>
-          <a:p>
-            <a:endParaRPr lang="en-US" dirty="0"/>
-          </a:p>
-          <a:p>
-            <a:endParaRPr lang="en-US" dirty="0"/>
-          </a:p>
-          <a:p>
-            <a:endParaRPr lang="en-US" dirty="0"/>
-          </a:p>
-          <a:p>
-            <a:endParaRPr lang="en-US" dirty="0"/>
-          </a:p>
-          <a:p>
-            <a:endParaRPr lang="en-US" dirty="0"/>
-          </a:p>
-          <a:p>
-            <a:endParaRPr lang="en-US" dirty="0"/>
-          </a:p>
-          <a:p>
-            <a:endParaRPr lang="en-US" dirty="0"/>
-          </a:p>
-          <a:p>
-            <a:endParaRPr lang="en-US" dirty="0"/>
-          </a:p>
-          <a:p>
-            <a:endParaRPr lang="en-US" dirty="0"/>
-          </a:p>
-          <a:p>
-            <a:endParaRPr lang="en-US" dirty="0"/>
-          </a:p>
-          <a:p>
-            <a:endParaRPr lang="en-US" dirty="0"/>
-          </a:p>
-          <a:p>
-            <a:endParaRPr lang="en-US" dirty="0"/>
-          </a:p>
-          <a:p>
-            <a:endParaRPr lang="en-US" dirty="0"/>
-          </a:p>
-          <a:p>
-            <a:endParaRPr lang="en-US" dirty="0"/>
-          </a:p>
-          <a:p>
-            <a:endParaRPr lang="en-US" dirty="0"/>
-          </a:p>
-          <a:p>
-            <a:endParaRPr lang="en-GB" dirty="0"/>
-          </a:p>
-        </p:txBody>
-      </p:sp>
-      <p:sp>
-        <p:nvSpPr>
-          <p:cNvPr id="4" name="Footer Placeholder 3"/>
-          <p:cNvSpPr>
-            <a:spLocks noGrp="1"/>
-          </p:cNvSpPr>
-          <p:nvPr>
-            <p:ph type="ftr" sz="quarter" idx="10"/>
-          </p:nvPr>
-        </p:nvSpPr>
-        <p:spPr/>
-        <p:txBody>
-          <a:bodyPr/>
-          <a:lstStyle/>
-          <a:p>
-            <a:r>
-              <a:rPr lang="en-US" dirty="0"/>
-              <a:t>Practice 2: Variable, Condition, Loop, Class, Scope, Lib, </a:t>
-            </a:r>
-            <a:r>
-              <a:rPr lang="en-US" dirty="0" err="1"/>
-              <a:t>Github</a:t>
-            </a:r>
-            <a:endParaRPr lang="en-US" dirty="0"/>
-          </a:p>
-        </p:txBody>
-      </p:sp>
-      <p:sp>
-        <p:nvSpPr>
-          <p:cNvPr id="5" name="Date Placeholder 4"/>
-          <p:cNvSpPr>
-            <a:spLocks noGrp="1"/>
-          </p:cNvSpPr>
-          <p:nvPr>
-            <p:ph type="dt" sz="half" idx="11"/>
-          </p:nvPr>
-        </p:nvSpPr>
-        <p:spPr/>
-        <p:txBody>
-          <a:bodyPr/>
-          <a:lstStyle/>
-          <a:p>
-            <a:r>
-              <a:rPr lang="mr-IN" dirty="0"/>
-              <a:t>22/09/2018</a:t>
-            </a:r>
-            <a:endParaRPr lang="en-US" dirty="0"/>
-          </a:p>
-        </p:txBody>
-      </p:sp>
-      <p:sp>
-        <p:nvSpPr>
-          <p:cNvPr id="6" name="Slide Number Placeholder 5"/>
-          <p:cNvSpPr>
-            <a:spLocks noGrp="1"/>
-          </p:cNvSpPr>
-          <p:nvPr>
-            <p:ph type="sldNum" sz="quarter" idx="12"/>
-          </p:nvPr>
-        </p:nvSpPr>
-        <p:spPr/>
-        <p:txBody>
-          <a:bodyPr/>
-          <a:lstStyle/>
-          <a:p>
-            <a:fld id="{1D5CD492-2BC6-F348-9965-EC1D86DF57A8}" type="slidenum">
-              <a:rPr lang="en-US" smtClean="0"/>
-              <a:t>11</a:t>
-            </a:fld>
-            <a:endParaRPr lang="en-US"/>
-          </a:p>
-        </p:txBody>
-      </p:sp>
-    </p:spTree>
-    <p:extLst>
-      <p:ext uri="{BB962C8B-B14F-4D97-AF65-F5344CB8AC3E}">
-        <p14:creationId xmlns:p14="http://schemas.microsoft.com/office/powerpoint/2010/main" val="1808751532"/>
-      </p:ext>
-    </p:extLst>
-  </p:cSld>
-  <p:clrMapOvr>
-    <a:masterClrMapping/>
-  </p:clrMapOvr>
-  <p:transition spd="med">
-    <p:wipe dir="r"/>
-  </p:transition>
-</p:sld>
-</file>
-
-<file path=ppt/slides/slide12.xml><?xml version="1.0" encoding="utf-8"?>
-<p:sld xmlns:a="http://schemas.openxmlformats.org/drawingml/2006/main" xmlns:r="http://schemas.openxmlformats.org/officeDocument/2006/relationships" xmlns:p="http://schemas.openxmlformats.org/presentationml/2006/main">
-  <p:cSld>
-    <p:spTree>
-      <p:nvGrpSpPr>
-        <p:cNvPr id="1" name=""/>
-        <p:cNvGrpSpPr/>
-        <p:nvPr/>
-      </p:nvGrpSpPr>
-      <p:grpSpPr>
-        <a:xfrm>
-          <a:off x="0" y="0"/>
-          <a:ext cx="0" cy="0"/>
-          <a:chOff x="0" y="0"/>
-          <a:chExt cx="0" cy="0"/>
-        </a:xfrm>
-      </p:grpSpPr>
-      <p:sp>
-        <p:nvSpPr>
-          <p:cNvPr id="2" name="Title 1"/>
-          <p:cNvSpPr>
-            <a:spLocks noGrp="1"/>
-          </p:cNvSpPr>
-          <p:nvPr>
-            <p:ph type="title"/>
-          </p:nvPr>
-        </p:nvSpPr>
-        <p:spPr/>
-        <p:txBody>
-          <a:bodyPr/>
-          <a:lstStyle/>
-          <a:p>
-            <a:r>
-              <a:rPr lang="en-US" dirty="0" err="1"/>
-              <a:t>Github</a:t>
-            </a:r>
-            <a:endParaRPr lang="en-GB" dirty="0"/>
-          </a:p>
-        </p:txBody>
-      </p:sp>
-      <p:sp>
-        <p:nvSpPr>
-          <p:cNvPr id="3" name="Content Placeholder 2"/>
-          <p:cNvSpPr>
-            <a:spLocks noGrp="1"/>
-          </p:cNvSpPr>
-          <p:nvPr>
-            <p:ph idx="1"/>
-          </p:nvPr>
-        </p:nvSpPr>
-        <p:spPr>
-          <a:xfrm>
-            <a:off x="457200" y="1417638"/>
-            <a:ext cx="8229600" cy="4769406"/>
-          </a:xfrm>
-        </p:spPr>
-        <p:txBody>
-          <a:bodyPr/>
-          <a:lstStyle/>
-          <a:p>
-            <a:endParaRPr lang="en-US" dirty="0"/>
-          </a:p>
-          <a:p>
-            <a:endParaRPr lang="en-US" dirty="0"/>
-          </a:p>
-          <a:p>
-            <a:endParaRPr lang="en-US" dirty="0"/>
-          </a:p>
-          <a:p>
-            <a:endParaRPr lang="en-US" dirty="0"/>
-          </a:p>
-          <a:p>
-            <a:endParaRPr lang="en-US" dirty="0"/>
-          </a:p>
-          <a:p>
-            <a:endParaRPr lang="en-US" dirty="0"/>
-          </a:p>
-          <a:p>
-            <a:endParaRPr lang="en-US" dirty="0"/>
-          </a:p>
-          <a:p>
-            <a:endParaRPr lang="en-US" dirty="0"/>
-          </a:p>
-          <a:p>
-            <a:endParaRPr lang="en-US" dirty="0"/>
-          </a:p>
-          <a:p>
-            <a:endParaRPr lang="en-US" dirty="0"/>
-          </a:p>
-          <a:p>
-            <a:endParaRPr lang="en-US" dirty="0"/>
-          </a:p>
-          <a:p>
-            <a:endParaRPr lang="en-US" dirty="0"/>
-          </a:p>
-          <a:p>
-            <a:endParaRPr lang="en-US" dirty="0"/>
-          </a:p>
-          <a:p>
-            <a:endParaRPr lang="en-US" dirty="0"/>
-          </a:p>
-          <a:p>
-            <a:endParaRPr lang="en-US" dirty="0"/>
-          </a:p>
-          <a:p>
-            <a:endParaRPr lang="en-US" dirty="0"/>
-          </a:p>
-          <a:p>
-            <a:endParaRPr lang="en-US" dirty="0"/>
-          </a:p>
-          <a:p>
-            <a:endParaRPr lang="en-US" dirty="0"/>
-          </a:p>
-          <a:p>
-            <a:endParaRPr lang="en-US" dirty="0"/>
-          </a:p>
-          <a:p>
-            <a:endParaRPr lang="en-US" dirty="0"/>
-          </a:p>
-          <a:p>
-            <a:endParaRPr lang="en-US" dirty="0"/>
-          </a:p>
-          <a:p>
-            <a:endParaRPr lang="en-US" dirty="0"/>
-          </a:p>
-          <a:p>
-            <a:endParaRPr lang="en-US" dirty="0"/>
-          </a:p>
-          <a:p>
-            <a:endParaRPr lang="en-US" dirty="0"/>
-          </a:p>
-          <a:p>
-            <a:endParaRPr lang="en-US" dirty="0"/>
-          </a:p>
-          <a:p>
-            <a:endParaRPr lang="en-US" dirty="0"/>
-          </a:p>
-          <a:p>
-            <a:endParaRPr lang="en-US" dirty="0"/>
-          </a:p>
-          <a:p>
-            <a:endParaRPr lang="en-US" dirty="0"/>
-          </a:p>
-          <a:p>
-            <a:endParaRPr lang="en-US" dirty="0"/>
-          </a:p>
-          <a:p>
-            <a:endParaRPr lang="en-US" dirty="0"/>
-          </a:p>
-          <a:p>
-            <a:endParaRPr lang="en-US" dirty="0"/>
-          </a:p>
-          <a:p>
-            <a:endParaRPr lang="en-US" dirty="0"/>
-          </a:p>
-          <a:p>
-            <a:endParaRPr lang="en-US" dirty="0"/>
-          </a:p>
-          <a:p>
-            <a:endParaRPr lang="en-US" dirty="0"/>
-          </a:p>
-          <a:p>
-            <a:endParaRPr lang="en-US" dirty="0"/>
-          </a:p>
-          <a:p>
-            <a:endParaRPr lang="en-US" dirty="0"/>
-          </a:p>
-          <a:p>
-            <a:endParaRPr lang="en-US" dirty="0"/>
-          </a:p>
-          <a:p>
-            <a:endParaRPr lang="en-US" dirty="0"/>
-          </a:p>
-          <a:p>
-            <a:endParaRPr lang="en-US" dirty="0"/>
-          </a:p>
-          <a:p>
-            <a:endParaRPr lang="en-US" dirty="0"/>
-          </a:p>
-          <a:p>
-            <a:endParaRPr lang="en-US" dirty="0"/>
-          </a:p>
-          <a:p>
-            <a:endParaRPr lang="en-US" dirty="0"/>
-          </a:p>
-          <a:p>
-            <a:endParaRPr lang="en-US" dirty="0"/>
-          </a:p>
-          <a:p>
-            <a:endParaRPr lang="en-US" dirty="0"/>
-          </a:p>
-          <a:p>
-            <a:endParaRPr lang="en-US" dirty="0"/>
-          </a:p>
-          <a:p>
-            <a:endParaRPr lang="en-US" dirty="0"/>
-          </a:p>
-          <a:p>
-            <a:endParaRPr lang="en-US" dirty="0"/>
-          </a:p>
-          <a:p>
-            <a:endParaRPr lang="en-US" dirty="0"/>
-          </a:p>
-          <a:p>
-            <a:endParaRPr lang="en-US" dirty="0"/>
-          </a:p>
-          <a:p>
-            <a:endParaRPr lang="en-US" dirty="0"/>
-          </a:p>
-          <a:p>
-            <a:endParaRPr lang="en-US" dirty="0"/>
-          </a:p>
-          <a:p>
-            <a:endParaRPr lang="en-US" dirty="0"/>
-          </a:p>
-          <a:p>
-            <a:endParaRPr lang="en-US" dirty="0"/>
-          </a:p>
-          <a:p>
-            <a:endParaRPr lang="en-GB" dirty="0"/>
-          </a:p>
-        </p:txBody>
-      </p:sp>
-      <p:sp>
-        <p:nvSpPr>
-          <p:cNvPr id="4" name="Footer Placeholder 3"/>
-          <p:cNvSpPr>
-            <a:spLocks noGrp="1"/>
-          </p:cNvSpPr>
-          <p:nvPr>
-            <p:ph type="ftr" sz="quarter" idx="10"/>
-          </p:nvPr>
-        </p:nvSpPr>
-        <p:spPr/>
-        <p:txBody>
-          <a:bodyPr/>
-          <a:lstStyle/>
-          <a:p>
-            <a:r>
-              <a:rPr lang="en-US" dirty="0"/>
-              <a:t>Practice 2: Variable, Condition, Loop, Class, Scope, Lib, </a:t>
-            </a:r>
-            <a:r>
-              <a:rPr lang="en-US" dirty="0" err="1"/>
-              <a:t>Github</a:t>
-            </a:r>
-            <a:endParaRPr lang="en-US" dirty="0"/>
-          </a:p>
-        </p:txBody>
-      </p:sp>
-      <p:sp>
-        <p:nvSpPr>
-          <p:cNvPr id="5" name="Date Placeholder 4"/>
-          <p:cNvSpPr>
-            <a:spLocks noGrp="1"/>
-          </p:cNvSpPr>
-          <p:nvPr>
-            <p:ph type="dt" sz="half" idx="11"/>
-          </p:nvPr>
-        </p:nvSpPr>
-        <p:spPr/>
-        <p:txBody>
-          <a:bodyPr/>
-          <a:lstStyle/>
-          <a:p>
-            <a:r>
-              <a:rPr lang="mr-IN" dirty="0"/>
-              <a:t>22/09/2018</a:t>
-            </a:r>
-            <a:endParaRPr lang="en-US" dirty="0"/>
-          </a:p>
-        </p:txBody>
-      </p:sp>
-      <p:sp>
-        <p:nvSpPr>
-          <p:cNvPr id="6" name="Slide Number Placeholder 5"/>
-          <p:cNvSpPr>
-            <a:spLocks noGrp="1"/>
-          </p:cNvSpPr>
-          <p:nvPr>
-            <p:ph type="sldNum" sz="quarter" idx="12"/>
-          </p:nvPr>
-        </p:nvSpPr>
-        <p:spPr/>
-        <p:txBody>
-          <a:bodyPr/>
-          <a:lstStyle/>
-          <a:p>
-            <a:fld id="{1D5CD492-2BC6-F348-9965-EC1D86DF57A8}" type="slidenum">
-              <a:rPr lang="en-US" smtClean="0"/>
-              <a:t>12</a:t>
-            </a:fld>
-            <a:endParaRPr lang="en-US"/>
-          </a:p>
-        </p:txBody>
-      </p:sp>
-    </p:spTree>
-    <p:extLst>
-      <p:ext uri="{BB962C8B-B14F-4D97-AF65-F5344CB8AC3E}">
-        <p14:creationId xmlns:p14="http://schemas.microsoft.com/office/powerpoint/2010/main" val="3978485509"/>
+        <p14:creationId xmlns:p14="http://schemas.microsoft.com/office/powerpoint/2010/main" val="349128082"/>
       </p:ext>
     </p:extLst>
   </p:cSld>
@@ -5876,7 +5274,7 @@
           <a:p>
             <a:r>
               <a:rPr lang="en-GB" dirty="0"/>
-              <a:t>Variable</a:t>
+              <a:t>Variable &amp; Input</a:t>
             </a:r>
           </a:p>
         </p:txBody>
@@ -5896,9 +5294,10 @@
           <a:bodyPr/>
           <a:lstStyle/>
           <a:p>
-            <a:pPr marL="0" indent="0">
-              <a:buNone/>
-            </a:pPr>
+            <a:r>
+              <a:rPr lang="sv-SE" dirty="0"/>
+              <a:t>9-20</a:t>
+            </a:r>
             <a:endParaRPr lang="en-GB" dirty="0"/>
           </a:p>
         </p:txBody>
@@ -6026,7 +5425,7 @@
           <a:p>
             <a:r>
               <a:rPr lang="en-GB" dirty="0"/>
-              <a:t>If statement</a:t>
+              <a:t>If &amp; Switch</a:t>
             </a:r>
           </a:p>
         </p:txBody>
@@ -6046,10 +5445,16 @@
           <a:bodyPr/>
           <a:lstStyle/>
           <a:p>
-            <a:pPr marL="0" indent="0">
-              <a:buNone/>
-            </a:pPr>
-            <a:endParaRPr lang="en-GB" dirty="0"/>
+            <a:r>
+              <a:rPr lang="en-GB" dirty="0"/>
+              <a:t>21-28: using IF</a:t>
+            </a:r>
+          </a:p>
+          <a:p>
+            <a:r>
+              <a:rPr lang="en-GB" dirty="0"/>
+              <a:t>32-40: using SWITCH</a:t>
+            </a:r>
           </a:p>
         </p:txBody>
       </p:sp>
@@ -6176,7 +5581,7 @@
           <a:p>
             <a:r>
               <a:rPr lang="en-GB" dirty="0"/>
-              <a:t>Switch statement</a:t>
+              <a:t>While &amp; Do While</a:t>
             </a:r>
           </a:p>
         </p:txBody>
@@ -6196,10 +5601,10 @@
           <a:bodyPr/>
           <a:lstStyle/>
           <a:p>
-            <a:pPr marL="0" indent="0">
-              <a:buNone/>
-            </a:pPr>
-            <a:endParaRPr lang="en-GB" dirty="0"/>
+            <a:r>
+              <a:rPr lang="en-GB" dirty="0"/>
+              <a:t>48-63</a:t>
+            </a:r>
           </a:p>
         </p:txBody>
       </p:sp>
@@ -6326,7 +5731,7 @@
           <a:p>
             <a:r>
               <a:rPr lang="en-US" dirty="0"/>
-              <a:t>Do While Loop</a:t>
+              <a:t>For</a:t>
             </a:r>
             <a:endParaRPr lang="en-GB" dirty="0"/>
           </a:p>
@@ -6346,6 +5751,12 @@
         <p:txBody>
           <a:bodyPr/>
           <a:lstStyle/>
+          <a:p>
+            <a:r>
+              <a:rPr lang="en-GB" dirty="0"/>
+              <a:t>64-74</a:t>
+            </a:r>
+          </a:p>
           <a:p>
             <a:endParaRPr lang="en-GB" dirty="0"/>
           </a:p>
@@ -6474,7 +5885,7 @@
           <a:p>
             <a:r>
               <a:rPr lang="en-US" dirty="0"/>
-              <a:t>While Do Loop</a:t>
+              <a:t>Random numbers (optional, but fun)</a:t>
             </a:r>
             <a:endParaRPr lang="en-GB" dirty="0"/>
           </a:p>
@@ -6494,6 +5905,195 @@
         <p:txBody>
           <a:bodyPr/>
           <a:lstStyle/>
+          <a:p>
+            <a:r>
+              <a:rPr lang="en-US" dirty="0"/>
+              <a:t>41-47</a:t>
+            </a:r>
+          </a:p>
+          <a:p>
+            <a:r>
+              <a:rPr lang="en-US" dirty="0"/>
+              <a:t>75 </a:t>
+            </a:r>
+          </a:p>
+          <a:p>
+            <a:endParaRPr lang="en-US" dirty="0"/>
+          </a:p>
+          <a:p>
+            <a:endParaRPr lang="en-US" dirty="0"/>
+          </a:p>
+          <a:p>
+            <a:endParaRPr lang="en-US" dirty="0"/>
+          </a:p>
+          <a:p>
+            <a:endParaRPr lang="en-US" dirty="0"/>
+          </a:p>
+          <a:p>
+            <a:endParaRPr lang="en-US" dirty="0"/>
+          </a:p>
+          <a:p>
+            <a:endParaRPr lang="en-US" dirty="0"/>
+          </a:p>
+          <a:p>
+            <a:endParaRPr lang="en-US" dirty="0"/>
+          </a:p>
+          <a:p>
+            <a:endParaRPr lang="en-US" dirty="0"/>
+          </a:p>
+          <a:p>
+            <a:endParaRPr lang="en-US" dirty="0"/>
+          </a:p>
+          <a:p>
+            <a:endParaRPr lang="en-US" dirty="0"/>
+          </a:p>
+          <a:p>
+            <a:endParaRPr lang="en-US" dirty="0"/>
+          </a:p>
+          <a:p>
+            <a:endParaRPr lang="en-US" dirty="0"/>
+          </a:p>
+          <a:p>
+            <a:endParaRPr lang="en-US" dirty="0"/>
+          </a:p>
+          <a:p>
+            <a:endParaRPr lang="en-US" dirty="0"/>
+          </a:p>
+          <a:p>
+            <a:endParaRPr lang="en-US" dirty="0"/>
+          </a:p>
+          <a:p>
+            <a:endParaRPr lang="en-US" dirty="0"/>
+          </a:p>
+          <a:p>
+            <a:endParaRPr lang="en-US" dirty="0"/>
+          </a:p>
+          <a:p>
+            <a:endParaRPr lang="en-US" dirty="0"/>
+          </a:p>
+          <a:p>
+            <a:endParaRPr lang="en-US" dirty="0"/>
+          </a:p>
+          <a:p>
+            <a:endParaRPr lang="en-US" dirty="0"/>
+          </a:p>
+          <a:p>
+            <a:endParaRPr lang="en-US" dirty="0"/>
+          </a:p>
+          <a:p>
+            <a:endParaRPr lang="en-US" dirty="0"/>
+          </a:p>
+          <a:p>
+            <a:endParaRPr lang="en-US" dirty="0"/>
+          </a:p>
+          <a:p>
+            <a:endParaRPr lang="en-US" dirty="0"/>
+          </a:p>
+          <a:p>
+            <a:endParaRPr lang="en-US" dirty="0"/>
+          </a:p>
+          <a:p>
+            <a:endParaRPr lang="en-US" dirty="0"/>
+          </a:p>
+          <a:p>
+            <a:endParaRPr lang="en-US" dirty="0"/>
+          </a:p>
+          <a:p>
+            <a:endParaRPr lang="en-US" dirty="0"/>
+          </a:p>
+          <a:p>
+            <a:endParaRPr lang="en-US" dirty="0"/>
+          </a:p>
+          <a:p>
+            <a:endParaRPr lang="en-US" dirty="0"/>
+          </a:p>
+          <a:p>
+            <a:endParaRPr lang="en-US" dirty="0"/>
+          </a:p>
+          <a:p>
+            <a:endParaRPr lang="en-US" dirty="0"/>
+          </a:p>
+          <a:p>
+            <a:endParaRPr lang="en-US" dirty="0"/>
+          </a:p>
+          <a:p>
+            <a:endParaRPr lang="en-US" dirty="0"/>
+          </a:p>
+          <a:p>
+            <a:endParaRPr lang="en-US" dirty="0"/>
+          </a:p>
+          <a:p>
+            <a:endParaRPr lang="en-US" dirty="0"/>
+          </a:p>
+          <a:p>
+            <a:endParaRPr lang="en-US" dirty="0"/>
+          </a:p>
+          <a:p>
+            <a:endParaRPr lang="en-US" dirty="0"/>
+          </a:p>
+          <a:p>
+            <a:endParaRPr lang="en-US" dirty="0"/>
+          </a:p>
+          <a:p>
+            <a:endParaRPr lang="en-US" dirty="0"/>
+          </a:p>
+          <a:p>
+            <a:endParaRPr lang="en-US" dirty="0"/>
+          </a:p>
+          <a:p>
+            <a:endParaRPr lang="en-US" dirty="0"/>
+          </a:p>
+          <a:p>
+            <a:endParaRPr lang="en-US" dirty="0"/>
+          </a:p>
+          <a:p>
+            <a:endParaRPr lang="en-US" dirty="0"/>
+          </a:p>
+          <a:p>
+            <a:endParaRPr lang="en-US" dirty="0"/>
+          </a:p>
+          <a:p>
+            <a:endParaRPr lang="en-US" dirty="0"/>
+          </a:p>
+          <a:p>
+            <a:endParaRPr lang="en-US" dirty="0"/>
+          </a:p>
+          <a:p>
+            <a:endParaRPr lang="en-US" dirty="0"/>
+          </a:p>
+          <a:p>
+            <a:endParaRPr lang="en-US" dirty="0"/>
+          </a:p>
+          <a:p>
+            <a:endParaRPr lang="en-US" dirty="0"/>
+          </a:p>
+          <a:p>
+            <a:endParaRPr lang="en-US" dirty="0"/>
+          </a:p>
+          <a:p>
+            <a:endParaRPr lang="en-US" dirty="0"/>
+          </a:p>
+          <a:p>
+            <a:endParaRPr lang="en-US" dirty="0"/>
+          </a:p>
+          <a:p>
+            <a:endParaRPr lang="en-US" dirty="0"/>
+          </a:p>
+          <a:p>
+            <a:endParaRPr lang="en-US" dirty="0"/>
+          </a:p>
+          <a:p>
+            <a:endParaRPr lang="en-US" dirty="0"/>
+          </a:p>
+          <a:p>
+            <a:endParaRPr lang="en-US" dirty="0"/>
+          </a:p>
+          <a:p>
+            <a:endParaRPr lang="en-US" dirty="0"/>
+          </a:p>
+          <a:p>
+            <a:endParaRPr lang="en-US" dirty="0"/>
+          </a:p>
           <a:p>
             <a:endParaRPr lang="en-GB" dirty="0"/>
           </a:p>
@@ -6575,7 +6175,7 @@
     </p:spTree>
     <p:extLst>
       <p:ext uri="{BB962C8B-B14F-4D97-AF65-F5344CB8AC3E}">
-        <p14:creationId xmlns:p14="http://schemas.microsoft.com/office/powerpoint/2010/main" val="1854006652"/>
+        <p14:creationId xmlns:p14="http://schemas.microsoft.com/office/powerpoint/2010/main" val="3143451151"/>
       </p:ext>
     </p:extLst>
   </p:cSld>
@@ -6622,7 +6222,7 @@
           <a:p>
             <a:r>
               <a:rPr lang="en-US" dirty="0"/>
-              <a:t>For Loop</a:t>
+              <a:t>Class &amp; Instance</a:t>
             </a:r>
             <a:endParaRPr lang="en-GB" dirty="0"/>
           </a:p>
@@ -6638,15 +6238,36 @@
             <p:ph idx="1"/>
           </p:nvPr>
         </p:nvSpPr>
-        <p:spPr/>
+        <p:spPr>
+          <a:xfrm>
+            <a:off x="457200" y="1417638"/>
+            <a:ext cx="8229600" cy="5113791"/>
+          </a:xfrm>
+        </p:spPr>
         <p:txBody>
           <a:bodyPr/>
           <a:lstStyle/>
           <a:p>
-            <a:endParaRPr lang="en-US" dirty="0"/>
-          </a:p>
-          <a:p>
-            <a:endParaRPr lang="en-US" dirty="0"/>
+            <a:r>
+              <a:rPr lang="en-US" dirty="0"/>
+              <a:t>1.1 - 1.8 https://</a:t>
+            </a:r>
+            <a:r>
+              <a:rPr lang="en-US" dirty="0" err="1"/>
+              <a:t>www.ntu.edu.sg</a:t>
+            </a:r>
+            <a:r>
+              <a:rPr lang="en-US" dirty="0"/>
+              <a:t>/home/</a:t>
+            </a:r>
+            <a:r>
+              <a:rPr lang="en-US" dirty="0" err="1"/>
+              <a:t>ehchua</a:t>
+            </a:r>
+            <a:r>
+              <a:rPr lang="en-US" dirty="0"/>
+              <a:t>/programming/java/J3f_OOPExercises.html</a:t>
+            </a:r>
           </a:p>
           <a:p>
             <a:endParaRPr lang="en-US" dirty="0"/>
@@ -6903,7 +6524,7 @@
     </p:spTree>
     <p:extLst>
       <p:ext uri="{BB962C8B-B14F-4D97-AF65-F5344CB8AC3E}">
-        <p14:creationId xmlns:p14="http://schemas.microsoft.com/office/powerpoint/2010/main" val="3143451151"/>
+        <p14:creationId xmlns:p14="http://schemas.microsoft.com/office/powerpoint/2010/main" val="3777024625"/>
       </p:ext>
     </p:extLst>
   </p:cSld>
@@ -6950,7 +6571,7 @@
           <a:p>
             <a:r>
               <a:rPr lang="en-US" dirty="0"/>
-              <a:t>Class &amp; Instance</a:t>
+              <a:t>Lib &amp; Jar</a:t>
             </a:r>
             <a:endParaRPr lang="en-GB" dirty="0"/>
           </a:p>
@@ -6976,6 +6597,14 @@
           <a:bodyPr/>
           <a:lstStyle/>
           <a:p>
+            <a:r>
+              <a:rPr lang="en-US" dirty="0"/>
+              <a:t>Call methods from Guava &amp; Common </a:t>
+            </a:r>
+            <a:r>
+              <a:rPr lang="en-US" dirty="0" err="1"/>
+              <a:t>Mah</a:t>
+            </a:r>
             <a:endParaRPr lang="en-US" dirty="0"/>
           </a:p>
           <a:p>
@@ -7233,7 +6862,7 @@
     </p:spTree>
     <p:extLst>
       <p:ext uri="{BB962C8B-B14F-4D97-AF65-F5344CB8AC3E}">
-        <p14:creationId xmlns:p14="http://schemas.microsoft.com/office/powerpoint/2010/main" val="3777024625"/>
+        <p14:creationId xmlns:p14="http://schemas.microsoft.com/office/powerpoint/2010/main" val="3454195984"/>
       </p:ext>
     </p:extLst>
   </p:cSld>

--- a/courses/oopjava/practice2.pptx
+++ b/courses/oopjava/practice2.pptx
@@ -251,7 +251,7 @@
             <a:fld id="{CB44B6B1-5441-9644-AE1C-BB7EA5DBA264}" type="datetimeFigureOut">
               <a:rPr lang="en-US" smtClean="0"/>
               <a:pPr/>
-              <a:t>9/17/18</a:t>
+              <a:t>9/18/18</a:t>
             </a:fld>
             <a:endParaRPr lang="en-US"/>
           </a:p>
@@ -419,7 +419,7 @@
             <a:fld id="{41878819-472C-A14B-95BF-39C94BA106B2}" type="datetimeFigureOut">
               <a:rPr lang="en-US" smtClean="0"/>
               <a:pPr/>
-              <a:t>9/17/18</a:t>
+              <a:t>9/18/18</a:t>
             </a:fld>
             <a:endParaRPr lang="en-US"/>
           </a:p>
@@ -5375,6 +5375,53 @@
           </a:p>
         </p:txBody>
       </p:sp>
+      <p:pic>
+        <p:nvPicPr>
+          <p:cNvPr id="1025" name="Picture 1" descr=" - code provided">
+            <a:extLst>
+              <a:ext uri="{FF2B5EF4-FFF2-40B4-BE49-F238E27FC236}">
+                <a16:creationId xmlns:a16="http://schemas.microsoft.com/office/drawing/2014/main" id="{B7EEA691-91D9-ED4D-9776-46B76072C5CC}"/>
+              </a:ext>
+            </a:extLst>
+          </p:cNvPr>
+          <p:cNvPicPr>
+            <a:picLocks noChangeAspect="1" noChangeArrowheads="1"/>
+          </p:cNvPicPr>
+          <p:nvPr/>
+        </p:nvPicPr>
+        <p:blipFill>
+          <a:blip r:embed="rId2">
+            <a:extLst>
+              <a:ext uri="{28A0092B-C50C-407E-A947-70E740481C1C}">
+                <a14:useLocalDpi xmlns:a14="http://schemas.microsoft.com/office/drawing/2010/main" val="0"/>
+              </a:ext>
+            </a:extLst>
+          </a:blip>
+          <a:srcRect/>
+          <a:stretch>
+            <a:fillRect/>
+          </a:stretch>
+        </p:blipFill>
+        <p:spPr bwMode="auto">
+          <a:xfrm>
+            <a:off x="0" y="0"/>
+            <a:ext cx="203200" cy="203200"/>
+          </a:xfrm>
+          <a:prstGeom prst="rect">
+            <a:avLst/>
+          </a:prstGeom>
+          <a:noFill/>
+          <a:extLst>
+            <a:ext uri="{909E8E84-426E-40DD-AFC4-6F175D3DCCD1}">
+              <a14:hiddenFill xmlns:a14="http://schemas.microsoft.com/office/drawing/2010/main">
+                <a:solidFill>
+                  <a:srgbClr val="FFFFFF"/>
+                </a:solidFill>
+              </a14:hiddenFill>
+            </a:ext>
+          </a:extLst>
+        </p:spPr>
+      </p:pic>
     </p:spTree>
     <p:extLst>
       <p:ext uri="{BB962C8B-B14F-4D97-AF65-F5344CB8AC3E}">
@@ -6599,15 +6646,74 @@
           <a:p>
             <a:r>
               <a:rPr lang="en-US" dirty="0"/>
-              <a:t>Call methods from Guava &amp; Common </a:t>
+              <a:t>Call methods from Guava &amp; Common Math</a:t>
+            </a:r>
+          </a:p>
+          <a:p>
+            <a:r>
+              <a:rPr lang="en-US" dirty="0"/>
+              <a:t>Guava: </a:t>
+            </a:r>
+          </a:p>
+          <a:p>
+            <a:pPr lvl="1"/>
+            <a:r>
+              <a:rPr lang="en-US" dirty="0"/>
+              <a:t>Strings: try </a:t>
             </a:r>
             <a:r>
               <a:rPr lang="en-US" dirty="0" err="1"/>
-              <a:t>Mah</a:t>
-            </a:r>
-            <a:endParaRPr lang="en-US" dirty="0"/>
-          </a:p>
-          <a:p>
+              <a:t>padEnd</a:t>
+            </a:r>
+            <a:r>
+              <a:rPr lang="en-US" dirty="0"/>
+              <a:t>, </a:t>
+            </a:r>
+            <a:r>
+              <a:rPr lang="en-US" dirty="0" err="1"/>
+              <a:t>padStart</a:t>
+            </a:r>
+            <a:r>
+              <a:rPr lang="en-US" dirty="0"/>
+              <a:t>, repeat</a:t>
+            </a:r>
+          </a:p>
+          <a:p>
+            <a:r>
+              <a:rPr lang="en-US" dirty="0"/>
+              <a:t>Common Math: </a:t>
+            </a:r>
+          </a:p>
+          <a:p>
+            <a:pPr lvl="1"/>
+            <a:r>
+              <a:rPr lang="en-US" dirty="0" err="1"/>
+              <a:t>isPrime</a:t>
+            </a:r>
+            <a:r>
+              <a:rPr lang="en-US" dirty="0"/>
+              <a:t>, </a:t>
+            </a:r>
+            <a:r>
+              <a:rPr lang="en-US" dirty="0" err="1"/>
+              <a:t>nextPrime</a:t>
+            </a:r>
+            <a:r>
+              <a:rPr lang="en-US" dirty="0"/>
+              <a:t>, </a:t>
+            </a:r>
+            <a:r>
+              <a:rPr lang="en-US" dirty="0" err="1"/>
+              <a:t>primeFactors</a:t>
+            </a:r>
+            <a:r>
+              <a:rPr lang="en-US" dirty="0"/>
+              <a:t> </a:t>
+            </a:r>
+            <a:r>
+              <a:rPr lang="en-US"/>
+              <a:t>(optional)</a:t>
+            </a:r>
             <a:endParaRPr lang="en-US" dirty="0"/>
           </a:p>
           <a:p>

--- a/courses/oopjava/practice2.pptx
+++ b/courses/oopjava/practice2.pptx
@@ -6674,9 +6674,10 @@
               <a:t>padStart</a:t>
             </a:r>
             <a:r>
-              <a:rPr lang="en-US" dirty="0"/>
-              <a:t>, repeat</a:t>
-            </a:r>
+              <a:rPr lang="en-US"/>
+              <a:t>, repeat, Joiner</a:t>
+            </a:r>
+            <a:endParaRPr lang="en-US" dirty="0"/>
           </a:p>
           <a:p>
             <a:r>
@@ -6708,13 +6709,8 @@
             </a:r>
             <a:r>
               <a:rPr lang="en-US" dirty="0"/>
-              <a:t> </a:t>
-            </a:r>
-            <a:r>
-              <a:rPr lang="en-US"/>
-              <a:t>(optional)</a:t>
-            </a:r>
-            <a:endParaRPr lang="en-US" dirty="0"/>
+              <a:t> (optional)</a:t>
+            </a:r>
           </a:p>
           <a:p>
             <a:endParaRPr lang="en-US" dirty="0"/>
